--- a/Slides/29_10_23.pptx
+++ b/Slides/29_10_23.pptx
@@ -5,7 +5,7 @@
     <p:sldMasterId id="2147483807" r:id="rId1"/>
   </p:sldMasterIdLst>
   <p:notesMasterIdLst>
-    <p:notesMasterId r:id="rId62"/>
+    <p:notesMasterId r:id="rId63"/>
   </p:notesMasterIdLst>
   <p:sldIdLst>
     <p:sldId id="256" r:id="rId2"/>
@@ -64,32 +64,33 @@
     <p:sldId id="594" r:id="rId55"/>
     <p:sldId id="595" r:id="rId56"/>
     <p:sldId id="561" r:id="rId57"/>
-    <p:sldId id="559" r:id="rId58"/>
-    <p:sldId id="589" r:id="rId59"/>
-    <p:sldId id="269" r:id="rId60"/>
-    <p:sldId id="275" r:id="rId61"/>
+    <p:sldId id="615" r:id="rId58"/>
+    <p:sldId id="559" r:id="rId59"/>
+    <p:sldId id="589" r:id="rId60"/>
+    <p:sldId id="269" r:id="rId61"/>
+    <p:sldId id="275" r:id="rId62"/>
   </p:sldIdLst>
   <p:sldSz cx="9144000" cy="5143500" type="screen16x9"/>
   <p:notesSz cx="6858000" cy="9144000"/>
   <p:embeddedFontLst>
     <p:embeddedFont>
       <p:font typeface="Gill Sans MT" panose="020B0502020104020203" pitchFamily="34" charset="77"/>
-      <p:regular r:id="rId63"/>
-      <p:bold r:id="rId64"/>
-      <p:italic r:id="rId65"/>
-      <p:boldItalic r:id="rId66"/>
+      <p:regular r:id="rId64"/>
+      <p:bold r:id="rId65"/>
+      <p:italic r:id="rId66"/>
+      <p:boldItalic r:id="rId67"/>
     </p:embeddedFont>
     <p:embeddedFont>
       <p:font typeface="Josefin Sans" pitchFamily="2" charset="77"/>
-      <p:regular r:id="rId67"/>
-      <p:bold r:id="rId68"/>
+      <p:regular r:id="rId68"/>
+      <p:bold r:id="rId69"/>
     </p:embeddedFont>
     <p:embeddedFont>
       <p:font typeface="Open Sans" panose="020B0606030504020204" pitchFamily="34" charset="0"/>
-      <p:regular r:id="rId69"/>
-      <p:bold r:id="rId70"/>
-      <p:italic r:id="rId71"/>
-      <p:boldItalic r:id="rId72"/>
+      <p:regular r:id="rId70"/>
+      <p:bold r:id="rId71"/>
+      <p:italic r:id="rId72"/>
+      <p:boldItalic r:id="rId73"/>
     </p:embeddedFont>
   </p:embeddedFontLst>
   <p:defaultTextStyle>
@@ -16280,7 +16281,7 @@
           <a:p>
             <a:fld id="{9AB3A824-1A51-4B26-AD58-A6D8E14F6C04}" type="datetimeFigureOut">
               <a:rPr lang="en-US" smtClean="0"/>
-              <a:t>10/27/23</a:t>
+              <a:t>10/28/23</a:t>
             </a:fld>
             <a:endParaRPr lang="en-US" dirty="0"/>
           </a:p>
@@ -16456,7 +16457,7 @@
           <a:p>
             <a:fld id="{D857E33E-8B18-4087-B112-809917729534}" type="datetimeFigureOut">
               <a:rPr lang="en-US" smtClean="0"/>
-              <a:t>10/27/23</a:t>
+              <a:t>10/28/23</a:t>
             </a:fld>
             <a:endParaRPr lang="en-US" dirty="0"/>
           </a:p>
@@ -16642,7 +16643,7 @@
           <a:p>
             <a:fld id="{D3FFE419-2371-464F-8239-3959401C3561}" type="datetimeFigureOut">
               <a:rPr lang="en-US" smtClean="0"/>
-              <a:t>10/27/23</a:t>
+              <a:t>10/28/23</a:t>
             </a:fld>
             <a:endParaRPr lang="en-US" dirty="0"/>
           </a:p>
@@ -22494,7 +22495,7 @@
           <a:p>
             <a:fld id="{97D162C4-EDD9-4389-A98B-B87ECEA2A816}" type="datetimeFigureOut">
               <a:rPr lang="en-US" smtClean="0"/>
-              <a:t>10/27/23</a:t>
+              <a:t>10/28/23</a:t>
             </a:fld>
             <a:endParaRPr lang="en-US" dirty="0"/>
           </a:p>
@@ -22768,7 +22769,7 @@
           <a:p>
             <a:fld id="{3E5059C3-6A89-4494-99FF-5A4D6FFD50EB}" type="datetimeFigureOut">
               <a:rPr lang="en-US" smtClean="0"/>
-              <a:t>10/27/23</a:t>
+              <a:t>10/28/23</a:t>
             </a:fld>
             <a:endParaRPr lang="en-US" dirty="0"/>
           </a:p>
@@ -23006,7 +23007,7 @@
           <a:p>
             <a:fld id="{CA954B2F-12DE-47F5-8894-472B206D2E1E}" type="datetimeFigureOut">
               <a:rPr lang="en-US" smtClean="0"/>
-              <a:t>10/27/23</a:t>
+              <a:t>10/28/23</a:t>
             </a:fld>
             <a:endParaRPr lang="en-US" dirty="0"/>
           </a:p>
@@ -23371,7 +23372,7 @@
           <a:p>
             <a:fld id="{3CBC1C18-307B-4F68-A007-B5B542270E8D}" type="datetimeFigureOut">
               <a:rPr lang="en-US" smtClean="0"/>
-              <a:t>10/27/23</a:t>
+              <a:t>10/28/23</a:t>
             </a:fld>
             <a:endParaRPr lang="en-US" dirty="0"/>
           </a:p>
@@ -23519,7 +23520,7 @@
           <a:p>
             <a:fld id="{1FAF3416-4057-4DAA-829D-4CA07428D088}" type="datetimeFigureOut">
               <a:rPr lang="en-US" smtClean="0"/>
-              <a:t>10/27/23</a:t>
+              <a:t>10/28/23</a:t>
             </a:fld>
             <a:endParaRPr lang="en-US" dirty="0"/>
           </a:p>
@@ -23620,7 +23621,7 @@
           <a:p>
             <a:fld id="{921D9284-D300-4297-87F7-E791DCC15DB1}" type="datetimeFigureOut">
               <a:rPr lang="en-US" smtClean="0"/>
-              <a:t>10/27/23</a:t>
+              <a:t>10/28/23</a:t>
             </a:fld>
             <a:endParaRPr lang="en-US" dirty="0"/>
           </a:p>
@@ -23982,7 +23983,7 @@
           <a:p>
             <a:fld id="{37D525BB-DA17-4BA0-B3C8-3AC3ABC827E6}" type="datetimeFigureOut">
               <a:rPr lang="en-US" smtClean="0"/>
-              <a:t>10/27/23</a:t>
+              <a:t>10/28/23</a:t>
             </a:fld>
             <a:endParaRPr lang="en-US" dirty="0"/>
           </a:p>
@@ -24345,7 +24346,7 @@
           <a:p>
             <a:fld id="{B16C4C9A-3960-41CF-A4E9-2A8FB932454B}" type="datetimeFigureOut">
               <a:rPr lang="en-US" smtClean="0"/>
-              <a:t>10/27/23</a:t>
+              <a:t>10/28/23</a:t>
             </a:fld>
             <a:endParaRPr lang="en-US" dirty="0"/>
           </a:p>
@@ -24593,7 +24594,7 @@
           <a:p>
             <a:fld id="{3CBC1C18-307B-4F68-A007-B5B542270E8D}" type="datetimeFigureOut">
               <a:rPr lang="en-US" smtClean="0"/>
-              <a:t>10/27/23</a:t>
+              <a:t>10/28/23</a:t>
             </a:fld>
             <a:endParaRPr lang="en-US" dirty="0"/>
           </a:p>
@@ -25725,6 +25726,17 @@
               <a:t>Only You can save</a:t>
             </a:r>
           </a:p>
+          <a:p>
+            <a:pPr marL="0" indent="0"/>
+            <a:r>
+              <a:rPr lang="en-US" sz="3200" dirty="0"/>
+              <a:t>Only You can save</a:t>
+            </a:r>
+          </a:p>
+          <a:p>
+            <a:pPr marL="0" indent="0"/>
+            <a:endParaRPr lang="en-US" sz="3200" dirty="0"/>
+          </a:p>
         </p:txBody>
       </p:sp>
     </p:spTree>
@@ -32257,6 +32269,66 @@
 <file path=ppt/slides/slide57.xml><?xml version="1.0" encoding="utf-8"?>
 <p:sld xmlns:a="http://schemas.openxmlformats.org/drawingml/2006/main" xmlns:r="http://schemas.openxmlformats.org/officeDocument/2006/relationships" xmlns:p="http://schemas.openxmlformats.org/presentationml/2006/main">
   <p:cSld>
+    <p:spTree>
+      <p:nvGrpSpPr>
+        <p:cNvPr id="1" name=""/>
+        <p:cNvGrpSpPr/>
+        <p:nvPr/>
+      </p:nvGrpSpPr>
+      <p:grpSpPr>
+        <a:xfrm>
+          <a:off x="0" y="0"/>
+          <a:ext cx="0" cy="0"/>
+          <a:chOff x="0" y="0"/>
+          <a:chExt cx="0" cy="0"/>
+        </a:xfrm>
+      </p:grpSpPr>
+      <p:pic>
+        <p:nvPicPr>
+          <p:cNvPr id="4" name="Picture 3" descr="A poster for a event&#10;&#10;Description automatically generated">
+            <a:extLst>
+              <a:ext uri="{FF2B5EF4-FFF2-40B4-BE49-F238E27FC236}">
+                <a16:creationId xmlns:a16="http://schemas.microsoft.com/office/drawing/2014/main" id="{66A6CBAE-E8EF-379F-4234-105FD4FD4ADF}"/>
+              </a:ext>
+            </a:extLst>
+          </p:cNvPr>
+          <p:cNvPicPr>
+            <a:picLocks noChangeAspect="1"/>
+          </p:cNvPicPr>
+          <p:nvPr/>
+        </p:nvPicPr>
+        <p:blipFill>
+          <a:blip r:embed="rId2"/>
+          <a:stretch>
+            <a:fillRect/>
+          </a:stretch>
+        </p:blipFill>
+        <p:spPr>
+          <a:xfrm>
+            <a:off x="-85918" y="0"/>
+            <a:ext cx="9144000" cy="5143500"/>
+          </a:xfrm>
+          <a:prstGeom prst="rect">
+            <a:avLst/>
+          </a:prstGeom>
+        </p:spPr>
+      </p:pic>
+    </p:spTree>
+    <p:extLst>
+      <p:ext uri="{BB962C8B-B14F-4D97-AF65-F5344CB8AC3E}">
+        <p14:creationId xmlns:p14="http://schemas.microsoft.com/office/powerpoint/2010/main" val="1348818925"/>
+      </p:ext>
+    </p:extLst>
+  </p:cSld>
+  <p:clrMapOvr>
+    <a:masterClrMapping/>
+  </p:clrMapOvr>
+</p:sld>
+</file>
+
+<file path=ppt/slides/slide58.xml><?xml version="1.0" encoding="utf-8"?>
+<p:sld xmlns:a="http://schemas.openxmlformats.org/drawingml/2006/main" xmlns:r="http://schemas.openxmlformats.org/officeDocument/2006/relationships" xmlns:p="http://schemas.openxmlformats.org/presentationml/2006/main">
+  <p:cSld>
     <p:bg>
       <p:bgPr>
         <a:solidFill>
@@ -32493,7 +32565,7 @@
 </p:sld>
 </file>
 
-<file path=ppt/slides/slide58.xml><?xml version="1.0" encoding="utf-8"?>
+<file path=ppt/slides/slide59.xml><?xml version="1.0" encoding="utf-8"?>
 <p:sld xmlns:a="http://schemas.openxmlformats.org/drawingml/2006/main" xmlns:r="http://schemas.openxmlformats.org/officeDocument/2006/relationships" xmlns:p="http://schemas.openxmlformats.org/presentationml/2006/main">
   <p:cSld>
     <p:spTree>
@@ -32590,7 +32662,101 @@
 </p:sld>
 </file>
 
-<file path=ppt/slides/slide59.xml><?xml version="1.0" encoding="utf-8"?>
+<file path=ppt/slides/slide6.xml><?xml version="1.0" encoding="utf-8"?>
+<p:sld xmlns:a="http://schemas.openxmlformats.org/drawingml/2006/main" xmlns:r="http://schemas.openxmlformats.org/officeDocument/2006/relationships" xmlns:p="http://schemas.openxmlformats.org/presentationml/2006/main">
+  <p:cSld>
+    <p:spTree>
+      <p:nvGrpSpPr>
+        <p:cNvPr id="1" name="Shape 1062"/>
+        <p:cNvGrpSpPr/>
+        <p:nvPr/>
+      </p:nvGrpSpPr>
+      <p:grpSpPr>
+        <a:xfrm>
+          <a:off x="0" y="0"/>
+          <a:ext cx="0" cy="0"/>
+          <a:chOff x="0" y="0"/>
+          <a:chExt cx="0" cy="0"/>
+        </a:xfrm>
+      </p:grpSpPr>
+      <p:sp>
+        <p:nvSpPr>
+          <p:cNvPr id="1072" name="Google Shape;1072;p77"/>
+          <p:cNvSpPr txBox="1">
+            <a:spLocks noGrp="1"/>
+          </p:cNvSpPr>
+          <p:nvPr>
+            <p:ph type="subTitle" idx="1"/>
+          </p:nvPr>
+        </p:nvSpPr>
+        <p:spPr>
+          <a:xfrm>
+            <a:off x="228601" y="277239"/>
+            <a:ext cx="8701391" cy="4649822"/>
+          </a:xfrm>
+          <a:prstGeom prst="rect">
+            <a:avLst/>
+          </a:prstGeom>
+        </p:spPr>
+        <p:txBody>
+          <a:bodyPr spcFirstLastPara="1" vert="horz" wrap="square" lIns="91425" tIns="91425" rIns="91425" bIns="91425" rtlCol="0" anchor="t" anchorCtr="0">
+            <a:noAutofit/>
+          </a:bodyPr>
+          <a:lstStyle/>
+          <a:p>
+            <a:pPr marL="0" indent="0"/>
+            <a:r>
+              <a:rPr lang="en-US" sz="3200" dirty="0"/>
+              <a:t>Verse 1</a:t>
+            </a:r>
+          </a:p>
+          <a:p>
+            <a:pPr marL="0" indent="0"/>
+            <a:r>
+              <a:rPr lang="en-US" sz="3200" dirty="0"/>
+              <a:t>This world can be cold and bitter</a:t>
+            </a:r>
+          </a:p>
+          <a:p>
+            <a:pPr marL="0" indent="0"/>
+            <a:r>
+              <a:rPr lang="en-US" sz="3200" dirty="0"/>
+              <a:t>Feels like we're in the dead of winter</a:t>
+            </a:r>
+          </a:p>
+          <a:p>
+            <a:pPr marL="0" indent="0"/>
+            <a:r>
+              <a:rPr lang="en-US" sz="3200" dirty="0"/>
+              <a:t>Waiting on something better</a:t>
+            </a:r>
+          </a:p>
+          <a:p>
+            <a:pPr marL="0" indent="0"/>
+            <a:r>
+              <a:rPr lang="en-US" sz="3200" dirty="0"/>
+              <a:t>But am I really </a:t>
+            </a:r>
+            <a:r>
+              <a:rPr lang="en-US" sz="3200" dirty="0" err="1"/>
+              <a:t>gonna</a:t>
+            </a:r>
+            <a:r>
+              <a:rPr lang="en-US" sz="3200" dirty="0"/>
+              <a:t> hide forever? </a:t>
+            </a:r>
+          </a:p>
+        </p:txBody>
+      </p:sp>
+    </p:spTree>
+  </p:cSld>
+  <p:clrMapOvr>
+    <a:masterClrMapping/>
+  </p:clrMapOvr>
+</p:sld>
+</file>
+
+<file path=ppt/slides/slide60.xml><?xml version="1.0" encoding="utf-8"?>
 <p:sld xmlns:a="http://schemas.openxmlformats.org/drawingml/2006/main" xmlns:r="http://schemas.openxmlformats.org/officeDocument/2006/relationships" xmlns:p="http://schemas.openxmlformats.org/presentationml/2006/main">
   <p:cSld>
     <p:bg>
@@ -32765,107 +32931,13 @@
 </p:sld>
 </file>
 
-<file path=ppt/slides/slide6.xml><?xml version="1.0" encoding="utf-8"?>
-<p:sld xmlns:a="http://schemas.openxmlformats.org/drawingml/2006/main" xmlns:r="http://schemas.openxmlformats.org/officeDocument/2006/relationships" xmlns:p="http://schemas.openxmlformats.org/presentationml/2006/main">
-  <p:cSld>
-    <p:spTree>
-      <p:nvGrpSpPr>
-        <p:cNvPr id="1" name="Shape 1062"/>
-        <p:cNvGrpSpPr/>
-        <p:nvPr/>
-      </p:nvGrpSpPr>
-      <p:grpSpPr>
-        <a:xfrm>
-          <a:off x="0" y="0"/>
-          <a:ext cx="0" cy="0"/>
-          <a:chOff x="0" y="0"/>
-          <a:chExt cx="0" cy="0"/>
-        </a:xfrm>
-      </p:grpSpPr>
-      <p:sp>
-        <p:nvSpPr>
-          <p:cNvPr id="1072" name="Google Shape;1072;p77"/>
-          <p:cNvSpPr txBox="1">
-            <a:spLocks noGrp="1"/>
-          </p:cNvSpPr>
-          <p:nvPr>
-            <p:ph type="subTitle" idx="1"/>
-          </p:nvPr>
-        </p:nvSpPr>
-        <p:spPr>
-          <a:xfrm>
-            <a:off x="228601" y="277239"/>
-            <a:ext cx="8701391" cy="4649822"/>
-          </a:xfrm>
-          <a:prstGeom prst="rect">
-            <a:avLst/>
-          </a:prstGeom>
-        </p:spPr>
-        <p:txBody>
-          <a:bodyPr spcFirstLastPara="1" vert="horz" wrap="square" lIns="91425" tIns="91425" rIns="91425" bIns="91425" rtlCol="0" anchor="t" anchorCtr="0">
-            <a:noAutofit/>
-          </a:bodyPr>
-          <a:lstStyle/>
-          <a:p>
-            <a:pPr marL="0" indent="0"/>
-            <a:r>
-              <a:rPr lang="en-US" sz="3200" dirty="0"/>
-              <a:t>Verse 1</a:t>
-            </a:r>
-          </a:p>
-          <a:p>
-            <a:pPr marL="0" indent="0"/>
-            <a:r>
-              <a:rPr lang="en-US" sz="3200" dirty="0"/>
-              <a:t>This world can be cold and bitter</a:t>
-            </a:r>
-          </a:p>
-          <a:p>
-            <a:pPr marL="0" indent="0"/>
-            <a:r>
-              <a:rPr lang="en-US" sz="3200" dirty="0"/>
-              <a:t>Feels like we're in the dead of winter</a:t>
-            </a:r>
-          </a:p>
-          <a:p>
-            <a:pPr marL="0" indent="0"/>
-            <a:r>
-              <a:rPr lang="en-US" sz="3200" dirty="0"/>
-              <a:t>Waiting on something better</a:t>
-            </a:r>
-          </a:p>
-          <a:p>
-            <a:pPr marL="0" indent="0"/>
-            <a:r>
-              <a:rPr lang="en-US" sz="3200" dirty="0"/>
-              <a:t>But am I really </a:t>
-            </a:r>
-            <a:r>
-              <a:rPr lang="en-US" sz="3200" dirty="0" err="1"/>
-              <a:t>gonna</a:t>
-            </a:r>
-            <a:r>
-              <a:rPr lang="en-US" sz="3200" dirty="0"/>
-              <a:t> hide forever? </a:t>
-            </a:r>
-          </a:p>
-        </p:txBody>
-      </p:sp>
-    </p:spTree>
-  </p:cSld>
-  <p:clrMapOvr>
-    <a:masterClrMapping/>
-  </p:clrMapOvr>
-</p:sld>
-</file>
-
-<file path=ppt/slides/slide60.xml><?xml version="1.0" encoding="utf-8"?>
+<file path=ppt/slides/slide61.xml><?xml version="1.0" encoding="utf-8"?>
 <p:sld xmlns:a="http://schemas.openxmlformats.org/drawingml/2006/main" xmlns:r="http://schemas.openxmlformats.org/officeDocument/2006/relationships" xmlns:p="http://schemas.openxmlformats.org/presentationml/2006/main">
   <p:cSld>
     <p:bg>
       <p:bgPr>
         <a:solidFill>
-          <a:schemeClr val="accent2"/>
+          <a:schemeClr val="bg1"/>
         </a:solidFill>
         <a:effectLst/>
       </p:bgPr>
@@ -32884,6 +32956,129 @@
           <a:chExt cx="0" cy="0"/>
         </a:xfrm>
       </p:grpSpPr>
+      <p:sp useBgFill="1">
+        <p:nvSpPr>
+          <p:cNvPr id="1282" name="Rectangle 1281">
+            <a:extLst>
+              <a:ext uri="{FF2B5EF4-FFF2-40B4-BE49-F238E27FC236}">
+                <a16:creationId xmlns:a16="http://schemas.microsoft.com/office/drawing/2014/main" id="{419501C6-F015-4273-AF88-E0F6C853899F}"/>
+              </a:ext>
+              <a:ext uri="{C183D7F6-B498-43B3-948B-1728B52AA6E4}">
+                <adec:decorative xmlns:adec="http://schemas.microsoft.com/office/drawing/2017/decorative" val="1"/>
+              </a:ext>
+            </a:extLst>
+          </p:cNvPr>
+          <p:cNvSpPr>
+            <a:spLocks noGrp="1" noRot="1" noChangeAspect="1" noMove="1" noResize="1" noEditPoints="1" noAdjustHandles="1" noChangeArrowheads="1" noChangeShapeType="1" noTextEdit="1"/>
+          </p:cNvSpPr>
+          <p:nvPr>
+            <p:extLst>
+              <p:ext uri="{386F3935-93C4-4BCD-93E2-E3B085C9AB24}">
+                <p16:designElem xmlns:p16="http://schemas.microsoft.com/office/powerpoint/2015/main" val="1"/>
+              </p:ext>
+            </p:extLst>
+          </p:nvPr>
+        </p:nvSpPr>
+        <p:spPr>
+          <a:xfrm>
+            <a:off x="0" y="0"/>
+            <a:ext cx="9143999" cy="5143500"/>
+          </a:xfrm>
+          <a:prstGeom prst="rect">
+            <a:avLst/>
+          </a:prstGeom>
+          <a:ln>
+            <a:noFill/>
+          </a:ln>
+        </p:spPr>
+        <p:style>
+          <a:lnRef idx="2">
+            <a:schemeClr val="accent1">
+              <a:shade val="50000"/>
+            </a:schemeClr>
+          </a:lnRef>
+          <a:fillRef idx="1">
+            <a:schemeClr val="accent1"/>
+          </a:fillRef>
+          <a:effectRef idx="0">
+            <a:schemeClr val="accent1"/>
+          </a:effectRef>
+          <a:fontRef idx="minor">
+            <a:schemeClr val="lt1"/>
+          </a:fontRef>
+        </p:style>
+        <p:txBody>
+          <a:bodyPr rtlCol="0" anchor="ctr"/>
+          <a:lstStyle/>
+          <a:p>
+            <a:pPr algn="ctr"/>
+            <a:endParaRPr lang="en-US"/>
+          </a:p>
+        </p:txBody>
+      </p:sp>
+      <p:sp>
+        <p:nvSpPr>
+          <p:cNvPr id="1284" name="Rectangle 1283">
+            <a:extLst>
+              <a:ext uri="{FF2B5EF4-FFF2-40B4-BE49-F238E27FC236}">
+                <a16:creationId xmlns:a16="http://schemas.microsoft.com/office/drawing/2014/main" id="{CA677DB7-5829-45BD-9754-5EC484CC4253}"/>
+              </a:ext>
+              <a:ext uri="{C183D7F6-B498-43B3-948B-1728B52AA6E4}">
+                <adec:decorative xmlns:adec="http://schemas.microsoft.com/office/drawing/2017/decorative" val="1"/>
+              </a:ext>
+            </a:extLst>
+          </p:cNvPr>
+          <p:cNvSpPr>
+            <a:spLocks noGrp="1" noRot="1" noChangeAspect="1" noMove="1" noResize="1" noEditPoints="1" noAdjustHandles="1" noChangeArrowheads="1" noChangeShapeType="1" noTextEdit="1"/>
+          </p:cNvSpPr>
+          <p:nvPr>
+            <p:extLst>
+              <p:ext uri="{386F3935-93C4-4BCD-93E2-E3B085C9AB24}">
+                <p16:designElem xmlns:p16="http://schemas.microsoft.com/office/powerpoint/2015/main" val="1"/>
+              </p:ext>
+            </p:extLst>
+          </p:nvPr>
+        </p:nvSpPr>
+        <p:spPr>
+          <a:xfrm>
+            <a:off x="0" y="0"/>
+            <a:ext cx="3490722" cy="5143500"/>
+          </a:xfrm>
+          <a:prstGeom prst="rect">
+            <a:avLst/>
+          </a:prstGeom>
+          <a:solidFill>
+            <a:schemeClr val="accent2"/>
+          </a:solidFill>
+          <a:ln>
+            <a:noFill/>
+          </a:ln>
+        </p:spPr>
+        <p:style>
+          <a:lnRef idx="2">
+            <a:schemeClr val="accent1">
+              <a:shade val="50000"/>
+            </a:schemeClr>
+          </a:lnRef>
+          <a:fillRef idx="1">
+            <a:schemeClr val="accent1"/>
+          </a:fillRef>
+          <a:effectRef idx="0">
+            <a:schemeClr val="accent1"/>
+          </a:effectRef>
+          <a:fontRef idx="minor">
+            <a:schemeClr val="lt1"/>
+          </a:fontRef>
+        </p:style>
+        <p:txBody>
+          <a:bodyPr rtlCol="0" anchor="ctr"/>
+          <a:lstStyle/>
+          <a:p>
+            <a:pPr algn="ctr"/>
+            <a:endParaRPr lang="en-US"/>
+          </a:p>
+        </p:txBody>
+      </p:sp>
       <p:sp>
         <p:nvSpPr>
           <p:cNvPr id="1277" name="Google Shape;1277;p93"/>
@@ -32896,8 +33091,8 @@
         </p:nvSpPr>
         <p:spPr>
           <a:xfrm>
-            <a:off x="603504" y="1790058"/>
-            <a:ext cx="3364992" cy="1234440"/>
+            <a:off x="603504" y="1803654"/>
+            <a:ext cx="2283712" cy="1220844"/>
           </a:xfrm>
           <a:prstGeom prst="rect">
             <a:avLst/>
@@ -32918,7 +33113,7 @@
               </a:spcAft>
             </a:pPr>
             <a:r>
-              <a:rPr lang="en-US" sz="2400" spc="200"/>
+              <a:rPr lang="en-US" sz="2100" spc="200"/>
               <a:t>Mingle Time!</a:t>
             </a:r>
           </a:p>
@@ -32926,10 +33121,10 @@
       </p:sp>
       <p:pic>
         <p:nvPicPr>
-          <p:cNvPr id="4" name="Picture 3" descr="A group of people sitting in a room&#10;&#10;Description automatically generated">
+          <p:cNvPr id="3" name="Picture 2" descr="A group of people sitting around a table&#10;&#10;Description automatically generated">
             <a:extLst>
               <a:ext uri="{FF2B5EF4-FFF2-40B4-BE49-F238E27FC236}">
-                <a16:creationId xmlns:a16="http://schemas.microsoft.com/office/drawing/2014/main" id="{F1D112A2-FCD8-9E03-F7E7-8FA9A4090C18}"/>
+                <a16:creationId xmlns:a16="http://schemas.microsoft.com/office/drawing/2014/main" id="{1DA73959-3956-2BA2-94D1-7FE36D37DE12}"/>
               </a:ext>
             </a:extLst>
           </p:cNvPr>
@@ -32938,15 +33133,16 @@
           </p:cNvPicPr>
           <p:nvPr/>
         </p:nvPicPr>
-        <p:blipFill rotWithShape="1">
+        <p:blipFill>
           <a:blip r:embed="rId3"/>
-          <a:srcRect l="14451" r="27328" b="2"/>
-          <a:stretch/>
+          <a:stretch>
+            <a:fillRect/>
+          </a:stretch>
         </p:blipFill>
         <p:spPr>
           <a:xfrm>
-            <a:off x="4572000" y="10"/>
-            <a:ext cx="4571999" cy="5143490"/>
+            <a:off x="3970782" y="887394"/>
+            <a:ext cx="4693158" cy="3132682"/>
           </a:xfrm>
           <a:prstGeom prst="rect">
             <a:avLst/>
